--- a/Meetings & Official Documents/20180313_Meeting09.pptx
+++ b/Meetings & Official Documents/20180313_Meeting09.pptx
@@ -211,7 +211,7 @@
           <a:p>
             <a:fld id="{A2465086-4726-4EC7-B1CC-93384F009E8A}" type="datetimeFigureOut">
               <a:rPr lang="nl-BE" smtClean="0"/>
-              <a:t>13/03/2018</a:t>
+              <a:t>14/03/2018</a:t>
             </a:fld>
             <a:endParaRPr lang="nl-BE"/>
           </a:p>
@@ -628,7 +628,7 @@
           <a:p>
             <a:fld id="{FBEB3932-C728-461E-AEAB-3755F6A21F44}" type="datetime1">
               <a:rPr lang="nl-BE" smtClean="0"/>
-              <a:t>13/03/2018</a:t>
+              <a:t>14/03/2018</a:t>
             </a:fld>
             <a:endParaRPr lang="nl-BE"/>
           </a:p>
@@ -828,7 +828,7 @@
           <a:p>
             <a:fld id="{3F0440A7-E0BB-4289-A816-6145D7DE0007}" type="datetime1">
               <a:rPr lang="nl-BE" smtClean="0"/>
-              <a:t>13/03/2018</a:t>
+              <a:t>14/03/2018</a:t>
             </a:fld>
             <a:endParaRPr lang="nl-BE"/>
           </a:p>
@@ -1038,7 +1038,7 @@
           <a:p>
             <a:fld id="{B789A10F-0636-452B-B5F4-AA1098AC68DB}" type="datetime1">
               <a:rPr lang="nl-BE" smtClean="0"/>
-              <a:t>13/03/2018</a:t>
+              <a:t>14/03/2018</a:t>
             </a:fld>
             <a:endParaRPr lang="nl-BE"/>
           </a:p>
@@ -1238,7 +1238,7 @@
           <a:p>
             <a:fld id="{A4F21614-B078-4DB5-B878-FECAAAAB29A5}" type="datetime1">
               <a:rPr lang="nl-BE" smtClean="0"/>
-              <a:t>13/03/2018</a:t>
+              <a:t>14/03/2018</a:t>
             </a:fld>
             <a:endParaRPr lang="nl-BE"/>
           </a:p>
@@ -1514,7 +1514,7 @@
           <a:p>
             <a:fld id="{ABAD0BEF-64CF-40E3-9D45-9AFD76F5833E}" type="datetime1">
               <a:rPr lang="nl-BE" smtClean="0"/>
-              <a:t>13/03/2018</a:t>
+              <a:t>14/03/2018</a:t>
             </a:fld>
             <a:endParaRPr lang="nl-BE"/>
           </a:p>
@@ -1782,7 +1782,7 @@
           <a:p>
             <a:fld id="{56887270-A15C-4E4A-97E2-F698D19BFC12}" type="datetime1">
               <a:rPr lang="nl-BE" smtClean="0"/>
-              <a:t>13/03/2018</a:t>
+              <a:t>14/03/2018</a:t>
             </a:fld>
             <a:endParaRPr lang="nl-BE"/>
           </a:p>
@@ -2197,7 +2197,7 @@
           <a:p>
             <a:fld id="{7738EE71-2658-49F1-B374-0CB2B2BA9E5A}" type="datetime1">
               <a:rPr lang="nl-BE" smtClean="0"/>
-              <a:t>13/03/2018</a:t>
+              <a:t>14/03/2018</a:t>
             </a:fld>
             <a:endParaRPr lang="nl-BE"/>
           </a:p>
@@ -2339,7 +2339,7 @@
           <a:p>
             <a:fld id="{BF771427-EB12-4831-AB94-657A65403B56}" type="datetime1">
               <a:rPr lang="nl-BE" smtClean="0"/>
-              <a:t>13/03/2018</a:t>
+              <a:t>14/03/2018</a:t>
             </a:fld>
             <a:endParaRPr lang="nl-BE"/>
           </a:p>
@@ -2452,7 +2452,7 @@
           <a:p>
             <a:fld id="{520ECCBD-7D02-4BBC-B102-C92B6938A161}" type="datetime1">
               <a:rPr lang="nl-BE" smtClean="0"/>
-              <a:t>13/03/2018</a:t>
+              <a:t>14/03/2018</a:t>
             </a:fld>
             <a:endParaRPr lang="nl-BE"/>
           </a:p>
@@ -2765,7 +2765,7 @@
           <a:p>
             <a:fld id="{1422AE09-D19A-4629-A6CE-842ED178F0D2}" type="datetime1">
               <a:rPr lang="nl-BE" smtClean="0"/>
-              <a:t>13/03/2018</a:t>
+              <a:t>14/03/2018</a:t>
             </a:fld>
             <a:endParaRPr lang="nl-BE"/>
           </a:p>
@@ -3054,7 +3054,7 @@
           <a:p>
             <a:fld id="{A8A3105A-ACFE-41DF-8D77-3020B8F05CBC}" type="datetime1">
               <a:rPr lang="nl-BE" smtClean="0"/>
-              <a:t>13/03/2018</a:t>
+              <a:t>14/03/2018</a:t>
             </a:fld>
             <a:endParaRPr lang="nl-BE"/>
           </a:p>
@@ -3297,7 +3297,7 @@
           <a:p>
             <a:fld id="{8D8A8466-8FE3-43E4-9514-FF16543B9D19}" type="datetime1">
               <a:rPr lang="nl-BE" smtClean="0"/>
-              <a:t>13/03/2018</a:t>
+              <a:t>14/03/2018</a:t>
             </a:fld>
             <a:endParaRPr lang="nl-BE"/>
           </a:p>
@@ -5106,7 +5106,7 @@
                   </a:schemeClr>
                 </a:solidFill>
               </a:rPr>
-              <a:t>11,8 m/s</a:t>
+              <a:t>9,0 m/s</a:t>
             </a:r>
           </a:p>
           <a:p>
